--- a/ClassMaterials/ProcedureProcedures/ProcedureProcedures.pptx
+++ b/ClassMaterials/ProcedureProcedures/ProcedureProcedures.pptx
@@ -113,6 +113,11 @@
       </a:defRPr>
     </a:lvl9pPr>
   </p:defaultTextStyle>
+  <p:extLst>
+    <p:ext uri="{EFAFB233-063F-42B5-8137-9DF3F51BA10A}">
+      <p15:sldGuideLst xmlns:p15="http://schemas.microsoft.com/office/powerpoint/2012/main"/>
+    </p:ext>
+  </p:extLst>
 </p:presentation>
 </file>
 
@@ -6407,7 +6412,15 @@
           <a:p>
             <a:r>
               <a:rPr lang="en-US" dirty="0"/>
-              <a:t>If you’re 3 – each take a function and then come back together</a:t>
+              <a:t>If you’re 4 – </a:t>
+            </a:r>
+            <a:r>
+              <a:rPr lang="en-US"/>
+              <a:t>each pair take </a:t>
+            </a:r>
+            <a:r>
+              <a:rPr lang="en-US" dirty="0"/>
+              <a:t>a function and then come back together</a:t>
             </a:r>
           </a:p>
         </p:txBody>
